--- a/Repositorio Agricultura/Para power bi/Chile/Agricola/Power Bi (variables a mostrar).pptx
+++ b/Repositorio Agricultura/Para power bi/Chile/Agricola/Power Bi (variables a mostrar).pptx
@@ -16,6 +16,7 @@
     <p:sldId id="296" r:id="rId10"/>
     <p:sldId id="290" r:id="rId11"/>
     <p:sldId id="297" r:id="rId12"/>
+    <p:sldId id="299" r:id="rId13"/>
   </p:sldIdLst>
   <p:sldSz cx="12192000" cy="6858000"/>
   <p:notesSz cx="6858000" cy="9144000"/>
@@ -9497,7 +9498,7 @@
           <a:p>
             <a:fld id="{6F863FF5-5640-4E1F-A6B1-2019BEDD815C}" type="datetimeFigureOut">
               <a:rPr lang="es-CL" smtClean="0"/>
-              <a:t>06-11-2020</a:t>
+              <a:t>11-11-2020</a:t>
             </a:fld>
             <a:endParaRPr lang="es-CL"/>
           </a:p>
@@ -9697,7 +9698,7 @@
           <a:p>
             <a:fld id="{6F863FF5-5640-4E1F-A6B1-2019BEDD815C}" type="datetimeFigureOut">
               <a:rPr lang="es-CL" smtClean="0"/>
-              <a:t>06-11-2020</a:t>
+              <a:t>11-11-2020</a:t>
             </a:fld>
             <a:endParaRPr lang="es-CL"/>
           </a:p>
@@ -9907,7 +9908,7 @@
           <a:p>
             <a:fld id="{6F863FF5-5640-4E1F-A6B1-2019BEDD815C}" type="datetimeFigureOut">
               <a:rPr lang="es-CL" smtClean="0"/>
-              <a:t>06-11-2020</a:t>
+              <a:t>11-11-2020</a:t>
             </a:fld>
             <a:endParaRPr lang="es-CL"/>
           </a:p>
@@ -10107,7 +10108,7 @@
           <a:p>
             <a:fld id="{6F863FF5-5640-4E1F-A6B1-2019BEDD815C}" type="datetimeFigureOut">
               <a:rPr lang="es-CL" smtClean="0"/>
-              <a:t>06-11-2020</a:t>
+              <a:t>11-11-2020</a:t>
             </a:fld>
             <a:endParaRPr lang="es-CL"/>
           </a:p>
@@ -10383,7 +10384,7 @@
           <a:p>
             <a:fld id="{6F863FF5-5640-4E1F-A6B1-2019BEDD815C}" type="datetimeFigureOut">
               <a:rPr lang="es-CL" smtClean="0"/>
-              <a:t>06-11-2020</a:t>
+              <a:t>11-11-2020</a:t>
             </a:fld>
             <a:endParaRPr lang="es-CL"/>
           </a:p>
@@ -10651,7 +10652,7 @@
           <a:p>
             <a:fld id="{6F863FF5-5640-4E1F-A6B1-2019BEDD815C}" type="datetimeFigureOut">
               <a:rPr lang="es-CL" smtClean="0"/>
-              <a:t>06-11-2020</a:t>
+              <a:t>11-11-2020</a:t>
             </a:fld>
             <a:endParaRPr lang="es-CL"/>
           </a:p>
@@ -11066,7 +11067,7 @@
           <a:p>
             <a:fld id="{6F863FF5-5640-4E1F-A6B1-2019BEDD815C}" type="datetimeFigureOut">
               <a:rPr lang="es-CL" smtClean="0"/>
-              <a:t>06-11-2020</a:t>
+              <a:t>11-11-2020</a:t>
             </a:fld>
             <a:endParaRPr lang="es-CL"/>
           </a:p>
@@ -11208,7 +11209,7 @@
           <a:p>
             <a:fld id="{6F863FF5-5640-4E1F-A6B1-2019BEDD815C}" type="datetimeFigureOut">
               <a:rPr lang="es-CL" smtClean="0"/>
-              <a:t>06-11-2020</a:t>
+              <a:t>11-11-2020</a:t>
             </a:fld>
             <a:endParaRPr lang="es-CL"/>
           </a:p>
@@ -11321,7 +11322,7 @@
           <a:p>
             <a:fld id="{6F863FF5-5640-4E1F-A6B1-2019BEDD815C}" type="datetimeFigureOut">
               <a:rPr lang="es-CL" smtClean="0"/>
-              <a:t>06-11-2020</a:t>
+              <a:t>11-11-2020</a:t>
             </a:fld>
             <a:endParaRPr lang="es-CL"/>
           </a:p>
@@ -11634,7 +11635,7 @@
           <a:p>
             <a:fld id="{6F863FF5-5640-4E1F-A6B1-2019BEDD815C}" type="datetimeFigureOut">
               <a:rPr lang="es-CL" smtClean="0"/>
-              <a:t>06-11-2020</a:t>
+              <a:t>11-11-2020</a:t>
             </a:fld>
             <a:endParaRPr lang="es-CL"/>
           </a:p>
@@ -11923,7 +11924,7 @@
           <a:p>
             <a:fld id="{6F863FF5-5640-4E1F-A6B1-2019BEDD815C}" type="datetimeFigureOut">
               <a:rPr lang="es-CL" smtClean="0"/>
-              <a:t>06-11-2020</a:t>
+              <a:t>11-11-2020</a:t>
             </a:fld>
             <a:endParaRPr lang="es-CL"/>
           </a:p>
@@ -12166,7 +12167,7 @@
           <a:p>
             <a:fld id="{6F863FF5-5640-4E1F-A6B1-2019BEDD815C}" type="datetimeFigureOut">
               <a:rPr lang="es-CL" smtClean="0"/>
-              <a:t>06-11-2020</a:t>
+              <a:t>11-11-2020</a:t>
             </a:fld>
             <a:endParaRPr lang="es-CL"/>
           </a:p>
@@ -13798,6 +13799,593 @@
 </p:sld>
 </file>
 
+<file path=ppt/slides/slide12.xml><?xml version="1.0" encoding="utf-8"?>
+<p:sld xmlns:a="http://schemas.openxmlformats.org/drawingml/2006/main" xmlns:r="http://schemas.openxmlformats.org/officeDocument/2006/relationships" xmlns:p="http://schemas.openxmlformats.org/presentationml/2006/main">
+  <p:cSld>
+    <p:spTree>
+      <p:nvGrpSpPr>
+        <p:cNvPr id="1" name=""/>
+        <p:cNvGrpSpPr/>
+        <p:nvPr/>
+      </p:nvGrpSpPr>
+      <p:grpSpPr>
+        <a:xfrm>
+          <a:off x="0" y="0"/>
+          <a:ext cx="0" cy="0"/>
+          <a:chOff x="0" y="0"/>
+          <a:chExt cx="0" cy="0"/>
+        </a:xfrm>
+      </p:grpSpPr>
+      <p:sp>
+        <p:nvSpPr>
+          <p:cNvPr id="2" name="Título 1">
+            <a:extLst>
+              <a:ext uri="{FF2B5EF4-FFF2-40B4-BE49-F238E27FC236}">
+                <a16:creationId xmlns:a16="http://schemas.microsoft.com/office/drawing/2014/main" id="{6703AB03-F14C-4393-8D62-C4AF7928E72F}"/>
+              </a:ext>
+            </a:extLst>
+          </p:cNvPr>
+          <p:cNvSpPr>
+            <a:spLocks noGrp="1"/>
+          </p:cNvSpPr>
+          <p:nvPr>
+            <p:ph type="title"/>
+          </p:nvPr>
+        </p:nvSpPr>
+        <p:spPr/>
+        <p:txBody>
+          <a:bodyPr/>
+          <a:lstStyle/>
+          <a:p>
+            <a:endParaRPr lang="es-CL"/>
+          </a:p>
+        </p:txBody>
+      </p:sp>
+      <p:graphicFrame>
+        <p:nvGraphicFramePr>
+          <p:cNvPr id="4" name="Tabla 4">
+            <a:extLst>
+              <a:ext uri="{FF2B5EF4-FFF2-40B4-BE49-F238E27FC236}">
+                <a16:creationId xmlns:a16="http://schemas.microsoft.com/office/drawing/2014/main" id="{474E7493-E635-47AB-A117-F9D0AAA33F74}"/>
+              </a:ext>
+            </a:extLst>
+          </p:cNvPr>
+          <p:cNvGraphicFramePr>
+            <a:graphicFrameLocks noGrp="1"/>
+          </p:cNvGraphicFramePr>
+          <p:nvPr>
+            <p:ph idx="1"/>
+            <p:extLst>
+              <p:ext uri="{D42A27DB-BD31-4B8C-83A1-F6EECF244321}">
+                <p14:modId xmlns:p14="http://schemas.microsoft.com/office/powerpoint/2010/main" val="3957614797"/>
+              </p:ext>
+            </p:extLst>
+          </p:nvPr>
+        </p:nvGraphicFramePr>
+        <p:xfrm>
+          <a:off x="838200" y="1825625"/>
+          <a:ext cx="10515597" cy="4450080"/>
+        </p:xfrm>
+        <a:graphic>
+          <a:graphicData uri="http://schemas.openxmlformats.org/drawingml/2006/table">
+            <a:tbl>
+              <a:tblPr firstRow="1" bandRow="1">
+                <a:tableStyleId>{5C22544A-7EE6-4342-B048-85BDC9FD1C3A}</a:tableStyleId>
+              </a:tblPr>
+              <a:tblGrid>
+                <a:gridCol w="3505199">
+                  <a:extLst>
+                    <a:ext uri="{9D8B030D-6E8A-4147-A177-3AD203B41FA5}">
+                      <a16:colId xmlns:a16="http://schemas.microsoft.com/office/drawing/2014/main" val="1203380511"/>
+                    </a:ext>
+                  </a:extLst>
+                </a:gridCol>
+                <a:gridCol w="3505199">
+                  <a:extLst>
+                    <a:ext uri="{9D8B030D-6E8A-4147-A177-3AD203B41FA5}">
+                      <a16:colId xmlns:a16="http://schemas.microsoft.com/office/drawing/2014/main" val="3936186132"/>
+                    </a:ext>
+                  </a:extLst>
+                </a:gridCol>
+                <a:gridCol w="3505199">
+                  <a:extLst>
+                    <a:ext uri="{9D8B030D-6E8A-4147-A177-3AD203B41FA5}">
+                      <a16:colId xmlns:a16="http://schemas.microsoft.com/office/drawing/2014/main" val="329312189"/>
+                    </a:ext>
+                  </a:extLst>
+                </a:gridCol>
+              </a:tblGrid>
+              <a:tr h="370840">
+                <a:tc>
+                  <a:txBody>
+                    <a:bodyPr/>
+                    <a:lstStyle/>
+                    <a:p>
+                      <a:endParaRPr lang="es-CL"/>
+                    </a:p>
+                  </a:txBody>
+                  <a:tcPr/>
+                </a:tc>
+                <a:tc>
+                  <a:txBody>
+                    <a:bodyPr/>
+                    <a:lstStyle/>
+                    <a:p>
+                      <a:endParaRPr lang="es-CL" dirty="0"/>
+                    </a:p>
+                  </a:txBody>
+                  <a:tcPr/>
+                </a:tc>
+                <a:tc>
+                  <a:txBody>
+                    <a:bodyPr/>
+                    <a:lstStyle/>
+                    <a:p>
+                      <a:endParaRPr lang="es-CL"/>
+                    </a:p>
+                  </a:txBody>
+                  <a:tcPr/>
+                </a:tc>
+                <a:extLst>
+                  <a:ext uri="{0D108BD9-81ED-4DB2-BD59-A6C34878D82A}">
+                    <a16:rowId xmlns:a16="http://schemas.microsoft.com/office/drawing/2014/main" val="339882519"/>
+                  </a:ext>
+                </a:extLst>
+              </a:tr>
+              <a:tr h="370840">
+                <a:tc>
+                  <a:txBody>
+                    <a:bodyPr/>
+                    <a:lstStyle/>
+                    <a:p>
+                      <a:r>
+                        <a:rPr lang="es-CL" dirty="0"/>
+                        <a:t>Maracuyá</a:t>
+                      </a:r>
+                    </a:p>
+                  </a:txBody>
+                  <a:tcPr/>
+                </a:tc>
+                <a:tc>
+                  <a:txBody>
+                    <a:bodyPr/>
+                    <a:lstStyle/>
+                    <a:p>
+                      <a:endParaRPr lang="es-CL" dirty="0"/>
+                    </a:p>
+                  </a:txBody>
+                  <a:tcPr/>
+                </a:tc>
+                <a:tc>
+                  <a:txBody>
+                    <a:bodyPr/>
+                    <a:lstStyle/>
+                    <a:p>
+                      <a:endParaRPr lang="es-CL" dirty="0"/>
+                    </a:p>
+                  </a:txBody>
+                  <a:tcPr/>
+                </a:tc>
+                <a:extLst>
+                  <a:ext uri="{0D108BD9-81ED-4DB2-BD59-A6C34878D82A}">
+                    <a16:rowId xmlns:a16="http://schemas.microsoft.com/office/drawing/2014/main" val="2878296404"/>
+                  </a:ext>
+                </a:extLst>
+              </a:tr>
+              <a:tr h="370840">
+                <a:tc>
+                  <a:txBody>
+                    <a:bodyPr/>
+                    <a:lstStyle/>
+                    <a:p>
+                      <a:r>
+                        <a:rPr lang="es-CL" dirty="0"/>
+                        <a:t>Papaya</a:t>
+                      </a:r>
+                    </a:p>
+                  </a:txBody>
+                  <a:tcPr/>
+                </a:tc>
+                <a:tc>
+                  <a:txBody>
+                    <a:bodyPr/>
+                    <a:lstStyle/>
+                    <a:p>
+                      <a:endParaRPr lang="es-CL" dirty="0"/>
+                    </a:p>
+                  </a:txBody>
+                  <a:tcPr/>
+                </a:tc>
+                <a:tc>
+                  <a:txBody>
+                    <a:bodyPr/>
+                    <a:lstStyle/>
+                    <a:p>
+                      <a:endParaRPr lang="es-CL" dirty="0"/>
+                    </a:p>
+                  </a:txBody>
+                  <a:tcPr/>
+                </a:tc>
+                <a:extLst>
+                  <a:ext uri="{0D108BD9-81ED-4DB2-BD59-A6C34878D82A}">
+                    <a16:rowId xmlns:a16="http://schemas.microsoft.com/office/drawing/2014/main" val="2132277588"/>
+                  </a:ext>
+                </a:extLst>
+              </a:tr>
+              <a:tr h="370840">
+                <a:tc>
+                  <a:txBody>
+                    <a:bodyPr/>
+                    <a:lstStyle/>
+                    <a:p>
+                      <a:r>
+                        <a:rPr lang="es-CL" dirty="0"/>
+                        <a:t>Mango</a:t>
+                      </a:r>
+                    </a:p>
+                  </a:txBody>
+                  <a:tcPr/>
+                </a:tc>
+                <a:tc>
+                  <a:txBody>
+                    <a:bodyPr/>
+                    <a:lstStyle/>
+                    <a:p>
+                      <a:endParaRPr lang="es-CL" dirty="0"/>
+                    </a:p>
+                  </a:txBody>
+                  <a:tcPr/>
+                </a:tc>
+                <a:tc>
+                  <a:txBody>
+                    <a:bodyPr/>
+                    <a:lstStyle/>
+                    <a:p>
+                      <a:endParaRPr lang="es-CL" dirty="0"/>
+                    </a:p>
+                  </a:txBody>
+                  <a:tcPr/>
+                </a:tc>
+                <a:extLst>
+                  <a:ext uri="{0D108BD9-81ED-4DB2-BD59-A6C34878D82A}">
+                    <a16:rowId xmlns:a16="http://schemas.microsoft.com/office/drawing/2014/main" val="929391393"/>
+                  </a:ext>
+                </a:extLst>
+              </a:tr>
+              <a:tr h="370840">
+                <a:tc>
+                  <a:txBody>
+                    <a:bodyPr/>
+                    <a:lstStyle/>
+                    <a:p>
+                      <a:r>
+                        <a:rPr lang="es-CL" dirty="0"/>
+                        <a:t>Olivo</a:t>
+                      </a:r>
+                    </a:p>
+                  </a:txBody>
+                  <a:tcPr/>
+                </a:tc>
+                <a:tc>
+                  <a:txBody>
+                    <a:bodyPr/>
+                    <a:lstStyle/>
+                    <a:p>
+                      <a:endParaRPr lang="es-CL" dirty="0"/>
+                    </a:p>
+                  </a:txBody>
+                  <a:tcPr/>
+                </a:tc>
+                <a:tc>
+                  <a:txBody>
+                    <a:bodyPr/>
+                    <a:lstStyle/>
+                    <a:p>
+                      <a:endParaRPr lang="es-CL" dirty="0"/>
+                    </a:p>
+                  </a:txBody>
+                  <a:tcPr/>
+                </a:tc>
+                <a:extLst>
+                  <a:ext uri="{0D108BD9-81ED-4DB2-BD59-A6C34878D82A}">
+                    <a16:rowId xmlns:a16="http://schemas.microsoft.com/office/drawing/2014/main" val="3410769390"/>
+                  </a:ext>
+                </a:extLst>
+              </a:tr>
+              <a:tr h="370840">
+                <a:tc>
+                  <a:txBody>
+                    <a:bodyPr/>
+                    <a:lstStyle/>
+                    <a:p>
+                      <a:r>
+                        <a:rPr lang="es-CL" dirty="0"/>
+                        <a:t>Guayabo</a:t>
+                      </a:r>
+                    </a:p>
+                  </a:txBody>
+                  <a:tcPr/>
+                </a:tc>
+                <a:tc>
+                  <a:txBody>
+                    <a:bodyPr/>
+                    <a:lstStyle/>
+                    <a:p>
+                      <a:endParaRPr lang="es-CL" dirty="0"/>
+                    </a:p>
+                  </a:txBody>
+                  <a:tcPr/>
+                </a:tc>
+                <a:tc>
+                  <a:txBody>
+                    <a:bodyPr/>
+                    <a:lstStyle/>
+                    <a:p>
+                      <a:endParaRPr lang="es-CL" dirty="0"/>
+                    </a:p>
+                  </a:txBody>
+                  <a:tcPr/>
+                </a:tc>
+                <a:extLst>
+                  <a:ext uri="{0D108BD9-81ED-4DB2-BD59-A6C34878D82A}">
+                    <a16:rowId xmlns:a16="http://schemas.microsoft.com/office/drawing/2014/main" val="951985286"/>
+                  </a:ext>
+                </a:extLst>
+              </a:tr>
+              <a:tr h="370840">
+                <a:tc>
+                  <a:txBody>
+                    <a:bodyPr/>
+                    <a:lstStyle/>
+                    <a:p>
+                      <a:r>
+                        <a:rPr lang="es-CL" dirty="0"/>
+                        <a:t>Almendro</a:t>
+                      </a:r>
+                    </a:p>
+                  </a:txBody>
+                  <a:tcPr/>
+                </a:tc>
+                <a:tc>
+                  <a:txBody>
+                    <a:bodyPr/>
+                    <a:lstStyle/>
+                    <a:p>
+                      <a:endParaRPr lang="es-CL" dirty="0"/>
+                    </a:p>
+                  </a:txBody>
+                  <a:tcPr/>
+                </a:tc>
+                <a:tc>
+                  <a:txBody>
+                    <a:bodyPr/>
+                    <a:lstStyle/>
+                    <a:p>
+                      <a:endParaRPr lang="es-CL" dirty="0"/>
+                    </a:p>
+                  </a:txBody>
+                  <a:tcPr/>
+                </a:tc>
+                <a:extLst>
+                  <a:ext uri="{0D108BD9-81ED-4DB2-BD59-A6C34878D82A}">
+                    <a16:rowId xmlns:a16="http://schemas.microsoft.com/office/drawing/2014/main" val="3378972560"/>
+                  </a:ext>
+                </a:extLst>
+              </a:tr>
+              <a:tr h="370840">
+                <a:tc>
+                  <a:txBody>
+                    <a:bodyPr/>
+                    <a:lstStyle/>
+                    <a:p>
+                      <a:r>
+                        <a:rPr lang="es-CL" dirty="0"/>
+                        <a:t>Nogal</a:t>
+                      </a:r>
+                    </a:p>
+                  </a:txBody>
+                  <a:tcPr/>
+                </a:tc>
+                <a:tc>
+                  <a:txBody>
+                    <a:bodyPr/>
+                    <a:lstStyle/>
+                    <a:p>
+                      <a:endParaRPr lang="es-CL" dirty="0"/>
+                    </a:p>
+                  </a:txBody>
+                  <a:tcPr/>
+                </a:tc>
+                <a:tc>
+                  <a:txBody>
+                    <a:bodyPr/>
+                    <a:lstStyle/>
+                    <a:p>
+                      <a:endParaRPr lang="es-CL" dirty="0"/>
+                    </a:p>
+                  </a:txBody>
+                  <a:tcPr/>
+                </a:tc>
+                <a:extLst>
+                  <a:ext uri="{0D108BD9-81ED-4DB2-BD59-A6C34878D82A}">
+                    <a16:rowId xmlns:a16="http://schemas.microsoft.com/office/drawing/2014/main" val="3918532688"/>
+                  </a:ext>
+                </a:extLst>
+              </a:tr>
+              <a:tr h="370840">
+                <a:tc>
+                  <a:txBody>
+                    <a:bodyPr/>
+                    <a:lstStyle/>
+                    <a:p>
+                      <a:r>
+                        <a:rPr lang="es-CL" dirty="0"/>
+                        <a:t>Manzano</a:t>
+                      </a:r>
+                    </a:p>
+                  </a:txBody>
+                  <a:tcPr/>
+                </a:tc>
+                <a:tc>
+                  <a:txBody>
+                    <a:bodyPr/>
+                    <a:lstStyle/>
+                    <a:p>
+                      <a:endParaRPr lang="es-CL" dirty="0"/>
+                    </a:p>
+                  </a:txBody>
+                  <a:tcPr/>
+                </a:tc>
+                <a:tc>
+                  <a:txBody>
+                    <a:bodyPr/>
+                    <a:lstStyle/>
+                    <a:p>
+                      <a:endParaRPr lang="es-CL" dirty="0"/>
+                    </a:p>
+                  </a:txBody>
+                  <a:tcPr/>
+                </a:tc>
+                <a:extLst>
+                  <a:ext uri="{0D108BD9-81ED-4DB2-BD59-A6C34878D82A}">
+                    <a16:rowId xmlns:a16="http://schemas.microsoft.com/office/drawing/2014/main" val="195918779"/>
+                  </a:ext>
+                </a:extLst>
+              </a:tr>
+              <a:tr h="370840">
+                <a:tc>
+                  <a:txBody>
+                    <a:bodyPr/>
+                    <a:lstStyle/>
+                    <a:p>
+                      <a:r>
+                        <a:rPr lang="es-CL" dirty="0"/>
+                        <a:t>Palto</a:t>
+                      </a:r>
+                    </a:p>
+                  </a:txBody>
+                  <a:tcPr/>
+                </a:tc>
+                <a:tc>
+                  <a:txBody>
+                    <a:bodyPr/>
+                    <a:lstStyle/>
+                    <a:p>
+                      <a:endParaRPr lang="es-CL" dirty="0"/>
+                    </a:p>
+                  </a:txBody>
+                  <a:tcPr/>
+                </a:tc>
+                <a:tc>
+                  <a:txBody>
+                    <a:bodyPr/>
+                    <a:lstStyle/>
+                    <a:p>
+                      <a:endParaRPr lang="es-CL" dirty="0"/>
+                    </a:p>
+                  </a:txBody>
+                  <a:tcPr/>
+                </a:tc>
+                <a:extLst>
+                  <a:ext uri="{0D108BD9-81ED-4DB2-BD59-A6C34878D82A}">
+                    <a16:rowId xmlns:a16="http://schemas.microsoft.com/office/drawing/2014/main" val="472269932"/>
+                  </a:ext>
+                </a:extLst>
+              </a:tr>
+              <a:tr h="370840">
+                <a:tc>
+                  <a:txBody>
+                    <a:bodyPr/>
+                    <a:lstStyle/>
+                    <a:p>
+                      <a:r>
+                        <a:rPr lang="es-CL" dirty="0"/>
+                        <a:t>Mandarino</a:t>
+                      </a:r>
+                    </a:p>
+                  </a:txBody>
+                  <a:tcPr/>
+                </a:tc>
+                <a:tc>
+                  <a:txBody>
+                    <a:bodyPr/>
+                    <a:lstStyle/>
+                    <a:p>
+                      <a:endParaRPr lang="es-CL" dirty="0"/>
+                    </a:p>
+                  </a:txBody>
+                  <a:tcPr/>
+                </a:tc>
+                <a:tc>
+                  <a:txBody>
+                    <a:bodyPr/>
+                    <a:lstStyle/>
+                    <a:p>
+                      <a:endParaRPr lang="es-CL" dirty="0"/>
+                    </a:p>
+                  </a:txBody>
+                  <a:tcPr/>
+                </a:tc>
+                <a:extLst>
+                  <a:ext uri="{0D108BD9-81ED-4DB2-BD59-A6C34878D82A}">
+                    <a16:rowId xmlns:a16="http://schemas.microsoft.com/office/drawing/2014/main" val="1891404809"/>
+                  </a:ext>
+                </a:extLst>
+              </a:tr>
+              <a:tr h="370840">
+                <a:tc>
+                  <a:txBody>
+                    <a:bodyPr/>
+                    <a:lstStyle/>
+                    <a:p>
+                      <a:endParaRPr lang="es-CL" dirty="0"/>
+                    </a:p>
+                  </a:txBody>
+                  <a:tcPr/>
+                </a:tc>
+                <a:tc>
+                  <a:txBody>
+                    <a:bodyPr/>
+                    <a:lstStyle/>
+                    <a:p>
+                      <a:endParaRPr lang="es-CL" dirty="0"/>
+                    </a:p>
+                  </a:txBody>
+                  <a:tcPr/>
+                </a:tc>
+                <a:tc>
+                  <a:txBody>
+                    <a:bodyPr/>
+                    <a:lstStyle/>
+                    <a:p>
+                      <a:endParaRPr lang="es-CL" dirty="0"/>
+                    </a:p>
+                  </a:txBody>
+                  <a:tcPr/>
+                </a:tc>
+                <a:extLst>
+                  <a:ext uri="{0D108BD9-81ED-4DB2-BD59-A6C34878D82A}">
+                    <a16:rowId xmlns:a16="http://schemas.microsoft.com/office/drawing/2014/main" val="627320157"/>
+                  </a:ext>
+                </a:extLst>
+              </a:tr>
+            </a:tbl>
+          </a:graphicData>
+        </a:graphic>
+      </p:graphicFrame>
+    </p:spTree>
+    <p:extLst>
+      <p:ext uri="{BB962C8B-B14F-4D97-AF65-F5344CB8AC3E}">
+        <p14:creationId xmlns:p14="http://schemas.microsoft.com/office/powerpoint/2010/main" val="1836962736"/>
+      </p:ext>
+    </p:extLst>
+  </p:cSld>
+  <p:clrMapOvr>
+    <a:masterClrMapping/>
+  </p:clrMapOvr>
+</p:sld>
+</file>
+
 <file path=ppt/slides/slide2.xml><?xml version="1.0" encoding="utf-8"?>
 <p:sld xmlns:a="http://schemas.openxmlformats.org/drawingml/2006/main" xmlns:r="http://schemas.openxmlformats.org/officeDocument/2006/relationships" xmlns:p="http://schemas.openxmlformats.org/presentationml/2006/main">
   <p:cSld>
